--- a/Chapter2/Figures/Fig8.pptx
+++ b/Chapter2/Figures/Fig8.pptx
@@ -7,7 +7,7 @@
   <p:sldIdLst>
     <p:sldId id="256" r:id="rId2"/>
   </p:sldIdLst>
-  <p:sldSz cx="5400675" cy="3060700"/>
+  <p:sldSz cx="3421063" cy="3060700"/>
   <p:notesSz cx="6858000" cy="9144000"/>
   <p:defaultTextStyle>
     <a:defPPr>
@@ -136,8 +136,8 @@
         </p:nvSpPr>
         <p:spPr>
           <a:xfrm>
-            <a:off x="405051" y="950802"/>
-            <a:ext cx="4590574" cy="656067"/>
+            <a:off x="256581" y="950805"/>
+            <a:ext cx="2907904" cy="656067"/>
           </a:xfrm>
         </p:spPr>
         <p:txBody>
@@ -164,8 +164,8 @@
         </p:nvSpPr>
         <p:spPr>
           <a:xfrm>
-            <a:off x="810102" y="1734397"/>
-            <a:ext cx="3780473" cy="782178"/>
+            <a:off x="513161" y="1734397"/>
+            <a:ext cx="2394745" cy="782178"/>
           </a:xfrm>
         </p:spPr>
         <p:txBody>
@@ -288,7 +288,7 @@
           <a:p>
             <a:fld id="{0215E33D-0533-4BDD-B0BC-21D29F9301F0}" type="datetimeFigureOut">
               <a:rPr lang="en-GB" smtClean="0"/>
-              <a:t>25/06/2014</a:t>
+              <a:t>31/08/2014</a:t>
             </a:fld>
             <a:endParaRPr lang="en-GB"/>
           </a:p>
@@ -458,7 +458,7 @@
           <a:p>
             <a:fld id="{0215E33D-0533-4BDD-B0BC-21D29F9301F0}" type="datetimeFigureOut">
               <a:rPr lang="en-GB" smtClean="0"/>
-              <a:t>25/06/2014</a:t>
+              <a:t>31/08/2014</a:t>
             </a:fld>
             <a:endParaRPr lang="en-GB"/>
           </a:p>
@@ -548,8 +548,8 @@
         </p:nvSpPr>
         <p:spPr>
           <a:xfrm>
-            <a:off x="2775347" y="58097"/>
-            <a:ext cx="860733" cy="1233491"/>
+            <a:off x="1758048" y="58100"/>
+            <a:ext cx="545232" cy="1233491"/>
           </a:xfrm>
         </p:spPr>
         <p:txBody>
@@ -576,8 +576,8 @@
         </p:nvSpPr>
         <p:spPr>
           <a:xfrm>
-            <a:off x="191274" y="58097"/>
-            <a:ext cx="2494062" cy="1233491"/>
+            <a:off x="121163" y="58100"/>
+            <a:ext cx="1579866" cy="1233491"/>
           </a:xfrm>
         </p:spPr>
         <p:txBody>
@@ -638,7 +638,7 @@
           <a:p>
             <a:fld id="{0215E33D-0533-4BDD-B0BC-21D29F9301F0}" type="datetimeFigureOut">
               <a:rPr lang="en-GB" smtClean="0"/>
-              <a:t>25/06/2014</a:t>
+              <a:t>31/08/2014</a:t>
             </a:fld>
             <a:endParaRPr lang="en-GB"/>
           </a:p>
@@ -808,7 +808,7 @@
           <a:p>
             <a:fld id="{0215E33D-0533-4BDD-B0BC-21D29F9301F0}" type="datetimeFigureOut">
               <a:rPr lang="en-GB" smtClean="0"/>
-              <a:t>25/06/2014</a:t>
+              <a:t>31/08/2014</a:t>
             </a:fld>
             <a:endParaRPr lang="en-GB"/>
           </a:p>
@@ -898,8 +898,8 @@
         </p:nvSpPr>
         <p:spPr>
           <a:xfrm>
-            <a:off x="426616" y="1966785"/>
-            <a:ext cx="4590574" cy="607889"/>
+            <a:off x="270241" y="1966788"/>
+            <a:ext cx="2907904" cy="607889"/>
           </a:xfrm>
         </p:spPr>
         <p:txBody>
@@ -930,8 +930,8 @@
         </p:nvSpPr>
         <p:spPr>
           <a:xfrm>
-            <a:off x="426616" y="1297256"/>
-            <a:ext cx="4590574" cy="669528"/>
+            <a:off x="270241" y="1297256"/>
+            <a:ext cx="2907904" cy="669528"/>
           </a:xfrm>
         </p:spPr>
         <p:txBody>
@@ -1054,7 +1054,7 @@
           <a:p>
             <a:fld id="{0215E33D-0533-4BDD-B0BC-21D29F9301F0}" type="datetimeFigureOut">
               <a:rPr lang="en-GB" smtClean="0"/>
-              <a:t>25/06/2014</a:t>
+              <a:t>31/08/2014</a:t>
             </a:fld>
             <a:endParaRPr lang="en-GB"/>
           </a:p>
@@ -1167,8 +1167,8 @@
         </p:nvSpPr>
         <p:spPr>
           <a:xfrm>
-            <a:off x="191274" y="337244"/>
-            <a:ext cx="1677398" cy="954344"/>
+            <a:off x="121164" y="337244"/>
+            <a:ext cx="1062549" cy="954344"/>
           </a:xfrm>
         </p:spPr>
         <p:txBody>
@@ -1252,8 +1252,8 @@
         </p:nvSpPr>
         <p:spPr>
           <a:xfrm>
-            <a:off x="1958683" y="337244"/>
-            <a:ext cx="1677397" cy="954344"/>
+            <a:off x="1240731" y="337244"/>
+            <a:ext cx="1062549" cy="954344"/>
           </a:xfrm>
         </p:spPr>
         <p:txBody>
@@ -1342,7 +1342,7 @@
           <a:p>
             <a:fld id="{0215E33D-0533-4BDD-B0BC-21D29F9301F0}" type="datetimeFigureOut">
               <a:rPr lang="en-GB" smtClean="0"/>
-              <a:t>25/06/2014</a:t>
+              <a:t>31/08/2014</a:t>
             </a:fld>
             <a:endParaRPr lang="en-GB"/>
           </a:p>
@@ -1432,8 +1432,8 @@
         </p:nvSpPr>
         <p:spPr>
           <a:xfrm>
-            <a:off x="270034" y="122571"/>
-            <a:ext cx="4860608" cy="510116"/>
+            <a:off x="171055" y="122571"/>
+            <a:ext cx="3078956" cy="510116"/>
           </a:xfrm>
         </p:spPr>
         <p:txBody>
@@ -1464,8 +1464,8 @@
         </p:nvSpPr>
         <p:spPr>
           <a:xfrm>
-            <a:off x="270035" y="685115"/>
-            <a:ext cx="2386236" cy="285524"/>
+            <a:off x="171054" y="685115"/>
+            <a:ext cx="1511564" cy="285524"/>
           </a:xfrm>
         </p:spPr>
         <p:txBody>
@@ -1529,8 +1529,8 @@
         </p:nvSpPr>
         <p:spPr>
           <a:xfrm>
-            <a:off x="270035" y="970640"/>
-            <a:ext cx="2386236" cy="1763445"/>
+            <a:off x="171054" y="970641"/>
+            <a:ext cx="1511564" cy="1763445"/>
           </a:xfrm>
         </p:spPr>
         <p:txBody>
@@ -1614,8 +1614,8 @@
         </p:nvSpPr>
         <p:spPr>
           <a:xfrm>
-            <a:off x="2743468" y="685115"/>
-            <a:ext cx="2387173" cy="285524"/>
+            <a:off x="1737854" y="685115"/>
+            <a:ext cx="1512157" cy="285524"/>
           </a:xfrm>
         </p:spPr>
         <p:txBody>
@@ -1679,8 +1679,8 @@
         </p:nvSpPr>
         <p:spPr>
           <a:xfrm>
-            <a:off x="2743468" y="970640"/>
-            <a:ext cx="2387173" cy="1763445"/>
+            <a:off x="1737854" y="970641"/>
+            <a:ext cx="1512157" cy="1763445"/>
           </a:xfrm>
         </p:spPr>
         <p:txBody>
@@ -1769,7 +1769,7 @@
           <a:p>
             <a:fld id="{0215E33D-0533-4BDD-B0BC-21D29F9301F0}" type="datetimeFigureOut">
               <a:rPr lang="en-GB" smtClean="0"/>
-              <a:t>25/06/2014</a:t>
+              <a:t>31/08/2014</a:t>
             </a:fld>
             <a:endParaRPr lang="en-GB"/>
           </a:p>
@@ -1887,7 +1887,7 @@
           <a:p>
             <a:fld id="{0215E33D-0533-4BDD-B0BC-21D29F9301F0}" type="datetimeFigureOut">
               <a:rPr lang="en-GB" smtClean="0"/>
-              <a:t>25/06/2014</a:t>
+              <a:t>31/08/2014</a:t>
             </a:fld>
             <a:endParaRPr lang="en-GB"/>
           </a:p>
@@ -1982,7 +1982,7 @@
           <a:p>
             <a:fld id="{0215E33D-0533-4BDD-B0BC-21D29F9301F0}" type="datetimeFigureOut">
               <a:rPr lang="en-GB" smtClean="0"/>
-              <a:t>25/06/2014</a:t>
+              <a:t>31/08/2014</a:t>
             </a:fld>
             <a:endParaRPr lang="en-GB"/>
           </a:p>
@@ -2072,8 +2072,8 @@
         </p:nvSpPr>
         <p:spPr>
           <a:xfrm>
-            <a:off x="270035" y="121862"/>
-            <a:ext cx="1776785" cy="518618"/>
+            <a:off x="171055" y="121862"/>
+            <a:ext cx="1125505" cy="518618"/>
           </a:xfrm>
         </p:spPr>
         <p:txBody>
@@ -2104,8 +2104,8 @@
         </p:nvSpPr>
         <p:spPr>
           <a:xfrm>
-            <a:off x="2111514" y="121863"/>
-            <a:ext cx="3019127" cy="2612222"/>
+            <a:off x="1337543" y="121863"/>
+            <a:ext cx="1912469" cy="2612222"/>
           </a:xfrm>
         </p:spPr>
         <p:txBody>
@@ -2189,8 +2189,8 @@
         </p:nvSpPr>
         <p:spPr>
           <a:xfrm>
-            <a:off x="270035" y="640481"/>
-            <a:ext cx="1776785" cy="2093604"/>
+            <a:off x="171055" y="640481"/>
+            <a:ext cx="1125505" cy="2093604"/>
           </a:xfrm>
         </p:spPr>
         <p:txBody>
@@ -2259,7 +2259,7 @@
           <a:p>
             <a:fld id="{0215E33D-0533-4BDD-B0BC-21D29F9301F0}" type="datetimeFigureOut">
               <a:rPr lang="en-GB" smtClean="0"/>
-              <a:t>25/06/2014</a:t>
+              <a:t>31/08/2014</a:t>
             </a:fld>
             <a:endParaRPr lang="en-GB"/>
           </a:p>
@@ -2349,8 +2349,8 @@
         </p:nvSpPr>
         <p:spPr>
           <a:xfrm>
-            <a:off x="1058571" y="2142489"/>
-            <a:ext cx="3240405" cy="252934"/>
+            <a:off x="670553" y="2142489"/>
+            <a:ext cx="2052638" cy="252934"/>
           </a:xfrm>
         </p:spPr>
         <p:txBody>
@@ -2381,8 +2381,8 @@
         </p:nvSpPr>
         <p:spPr>
           <a:xfrm>
-            <a:off x="1058571" y="273480"/>
-            <a:ext cx="3240405" cy="1836420"/>
+            <a:off x="670553" y="273480"/>
+            <a:ext cx="2052638" cy="1836420"/>
           </a:xfrm>
         </p:spPr>
         <p:txBody>
@@ -2442,8 +2442,8 @@
         </p:nvSpPr>
         <p:spPr>
           <a:xfrm>
-            <a:off x="1058571" y="2395424"/>
-            <a:ext cx="3240405" cy="359206"/>
+            <a:off x="670553" y="2395424"/>
+            <a:ext cx="2052638" cy="359206"/>
           </a:xfrm>
         </p:spPr>
         <p:txBody>
@@ -2512,7 +2512,7 @@
           <a:p>
             <a:fld id="{0215E33D-0533-4BDD-B0BC-21D29F9301F0}" type="datetimeFigureOut">
               <a:rPr lang="en-GB" smtClean="0"/>
-              <a:t>25/06/2014</a:t>
+              <a:t>31/08/2014</a:t>
             </a:fld>
             <a:endParaRPr lang="en-GB"/>
           </a:p>
@@ -2607,8 +2607,8 @@
         </p:nvSpPr>
         <p:spPr>
           <a:xfrm>
-            <a:off x="270034" y="122571"/>
-            <a:ext cx="4860608" cy="510116"/>
+            <a:off x="171055" y="122571"/>
+            <a:ext cx="3078956" cy="510116"/>
           </a:xfrm>
           <a:prstGeom prst="rect">
             <a:avLst/>
@@ -2640,8 +2640,8 @@
         </p:nvSpPr>
         <p:spPr>
           <a:xfrm>
-            <a:off x="270034" y="714164"/>
-            <a:ext cx="4860608" cy="2019920"/>
+            <a:off x="171055" y="714164"/>
+            <a:ext cx="3078956" cy="2019920"/>
           </a:xfrm>
           <a:prstGeom prst="rect">
             <a:avLst/>
@@ -2702,8 +2702,8 @@
         </p:nvSpPr>
         <p:spPr>
           <a:xfrm>
-            <a:off x="270035" y="2836817"/>
-            <a:ext cx="1260157" cy="162954"/>
+            <a:off x="171055" y="2836817"/>
+            <a:ext cx="798249" cy="162954"/>
           </a:xfrm>
           <a:prstGeom prst="rect">
             <a:avLst/>
@@ -2725,7 +2725,7 @@
           <a:p>
             <a:fld id="{0215E33D-0533-4BDD-B0BC-21D29F9301F0}" type="datetimeFigureOut">
               <a:rPr lang="en-GB" smtClean="0"/>
-              <a:t>25/06/2014</a:t>
+              <a:t>31/08/2014</a:t>
             </a:fld>
             <a:endParaRPr lang="en-GB"/>
           </a:p>
@@ -2743,8 +2743,8 @@
         </p:nvSpPr>
         <p:spPr>
           <a:xfrm>
-            <a:off x="1845231" y="2836817"/>
-            <a:ext cx="1710213" cy="162954"/>
+            <a:off x="1168865" y="2836817"/>
+            <a:ext cx="1083336" cy="162954"/>
           </a:xfrm>
           <a:prstGeom prst="rect">
             <a:avLst/>
@@ -2780,8 +2780,8 @@
         </p:nvSpPr>
         <p:spPr>
           <a:xfrm>
-            <a:off x="3870484" y="2836817"/>
-            <a:ext cx="1260157" cy="162954"/>
+            <a:off x="2451763" y="2836817"/>
+            <a:ext cx="798249" cy="162954"/>
           </a:xfrm>
           <a:prstGeom prst="rect">
             <a:avLst/>
@@ -3102,7 +3102,7 @@
       </p:grpSpPr>
       <p:pic>
         <p:nvPicPr>
-          <p:cNvPr id="12" name="Picture 2" descr="C:\Users\Wendy\Documents\wwn20\Lit review\Figures\era1997-1.jpg"/>
+          <p:cNvPr id="8" name="Picture 3" descr="C:\Users\Wendy\Documents\wwn20\Lit review\Figures\era1997-2.jpg"/>
           <p:cNvPicPr>
             <a:picLocks noChangeAspect="1" noChangeArrowheads="1"/>
           </p:cNvPicPr>
@@ -3123,78 +3123,7 @@
         </p:blipFill>
         <p:spPr bwMode="auto">
           <a:xfrm>
-            <a:off x="-72381" y="455891"/>
-            <a:ext cx="1915313" cy="2306493"/>
-          </a:xfrm>
-          <a:prstGeom prst="rect">
-            <a:avLst/>
-          </a:prstGeom>
-          <a:noFill/>
-          <a:extLst>
-            <a:ext uri="{909E8E84-426E-40DD-AFC4-6F175D3DCCD1}">
-              <a14:hiddenFill xmlns:a14="http://schemas.microsoft.com/office/drawing/2010/main">
-                <a:solidFill>
-                  <a:srgbClr val="FFFFFF"/>
-                </a:solidFill>
-              </a14:hiddenFill>
-            </a:ext>
-          </a:extLst>
-        </p:spPr>
-      </p:pic>
-      <p:sp>
-        <p:nvSpPr>
-          <p:cNvPr id="14" name="TextBox 13"/>
-          <p:cNvSpPr txBox="1"/>
-          <p:nvPr/>
-        </p:nvSpPr>
-        <p:spPr>
-          <a:xfrm>
-            <a:off x="-9736" y="12547"/>
-            <a:ext cx="607534" cy="477054"/>
-          </a:xfrm>
-          <a:prstGeom prst="rect">
-            <a:avLst/>
-          </a:prstGeom>
-          <a:noFill/>
-        </p:spPr>
-        <p:txBody>
-          <a:bodyPr wrap="square" rtlCol="0">
-            <a:spAutoFit/>
-          </a:bodyPr>
-          <a:lstStyle/>
-          <a:p>
-            <a:r>
-              <a:rPr lang="en-GB" sz="2500" dirty="0" smtClean="0"/>
-              <a:t>(a)</a:t>
-            </a:r>
-            <a:endParaRPr lang="en-GB" sz="2500" dirty="0"/>
-          </a:p>
-        </p:txBody>
-      </p:sp>
-      <p:pic>
-        <p:nvPicPr>
-          <p:cNvPr id="16" name="Picture 3" descr="C:\Users\Wendy\Documents\wwn20\Lit review\Figures\era1997-2.jpg"/>
-          <p:cNvPicPr>
-            <a:picLocks noChangeAspect="1" noChangeArrowheads="1"/>
-          </p:cNvPicPr>
-          <p:nvPr/>
-        </p:nvPicPr>
-        <p:blipFill>
-          <a:blip r:embed="rId3">
-            <a:extLst>
-              <a:ext uri="{28A0092B-C50C-407E-A947-70E740481C1C}">
-                <a14:useLocalDpi xmlns:a14="http://schemas.microsoft.com/office/drawing/2010/main" val="0"/>
-              </a:ext>
-            </a:extLst>
-          </a:blip>
-          <a:srcRect/>
-          <a:stretch>
-            <a:fillRect/>
-          </a:stretch>
-        </p:blipFill>
-        <p:spPr bwMode="auto">
-          <a:xfrm>
-            <a:off x="1673384" y="10629"/>
+            <a:off x="-251991" y="10629"/>
             <a:ext cx="3716337" cy="3006725"/>
           </a:xfrm>
           <a:prstGeom prst="rect">
@@ -3212,36 +3141,6 @@
           </a:extLst>
         </p:spPr>
       </p:pic>
-      <p:sp>
-        <p:nvSpPr>
-          <p:cNvPr id="17" name="TextBox 16"/>
-          <p:cNvSpPr txBox="1"/>
-          <p:nvPr/>
-        </p:nvSpPr>
-        <p:spPr>
-          <a:xfrm>
-            <a:off x="1738699" y="11805"/>
-            <a:ext cx="648072" cy="477054"/>
-          </a:xfrm>
-          <a:prstGeom prst="rect">
-            <a:avLst/>
-          </a:prstGeom>
-          <a:noFill/>
-        </p:spPr>
-        <p:txBody>
-          <a:bodyPr wrap="square" rtlCol="0">
-            <a:spAutoFit/>
-          </a:bodyPr>
-          <a:lstStyle/>
-          <a:p>
-            <a:r>
-              <a:rPr lang="en-GB" sz="2500" dirty="0" smtClean="0"/>
-              <a:t>(b)</a:t>
-            </a:r>
-            <a:endParaRPr lang="en-GB" sz="2500" dirty="0"/>
-          </a:p>
-        </p:txBody>
-      </p:sp>
     </p:spTree>
     <p:extLst>
       <p:ext uri="{BB962C8B-B14F-4D97-AF65-F5344CB8AC3E}">
